--- a/Calendario2025/presentaciones/1_Componentes.pptx
+++ b/Calendario2025/presentaciones/1_Componentes.pptx
@@ -232,7 +232,7 @@
           <a:p>
             <a:fld id="{2D445F07-8756-451B-A938-0248325FC7BB}" type="datetimeFigureOut">
               <a:rPr lang="es-MX" smtClean="0"/>
-              <a:t>08/08/2022</a:t>
+              <a:t>10/02/2025</a:t>
             </a:fld>
             <a:endParaRPr lang="es-MX" dirty="0"/>
           </a:p>
@@ -391,7 +391,7 @@
           <a:p>
             <a:fld id="{5993AEC0-242E-4FA7-9D3C-51E1036AC3CB}" type="slidenum">
               <a:rPr lang="es-MX" smtClean="0"/>
-              <a:t>‹Nº›</a:t>
+              <a:t>‹#›</a:t>
             </a:fld>
             <a:endParaRPr lang="es-MX" dirty="0"/>
           </a:p>
@@ -2025,7 +2025,7 @@
           <a:p>
             <a:fld id="{5E75A0DC-66C6-4CEC-A5EB-F8C97CEC3796}" type="datetimeFigureOut">
               <a:rPr lang="es-MX" smtClean="0"/>
-              <a:t>08/08/2022</a:t>
+              <a:t>10/02/2025</a:t>
             </a:fld>
             <a:endParaRPr lang="es-MX" dirty="0"/>
           </a:p>
@@ -2067,7 +2067,7 @@
           <a:p>
             <a:fld id="{C077EE1E-7A06-4E7F-9AFB-189FC69B7B0C}" type="slidenum">
               <a:rPr lang="es-MX" smtClean="0"/>
-              <a:t>‹Nº›</a:t>
+              <a:t>‹#›</a:t>
             </a:fld>
             <a:endParaRPr lang="es-MX" dirty="0"/>
           </a:p>
@@ -2195,7 +2195,7 @@
           <a:p>
             <a:fld id="{5E75A0DC-66C6-4CEC-A5EB-F8C97CEC3796}" type="datetimeFigureOut">
               <a:rPr lang="es-MX" smtClean="0"/>
-              <a:t>08/08/2022</a:t>
+              <a:t>10/02/2025</a:t>
             </a:fld>
             <a:endParaRPr lang="es-MX" dirty="0"/>
           </a:p>
@@ -2237,7 +2237,7 @@
           <a:p>
             <a:fld id="{C077EE1E-7A06-4E7F-9AFB-189FC69B7B0C}" type="slidenum">
               <a:rPr lang="es-MX" smtClean="0"/>
-              <a:t>‹Nº›</a:t>
+              <a:t>‹#›</a:t>
             </a:fld>
             <a:endParaRPr lang="es-MX" dirty="0"/>
           </a:p>
@@ -2375,7 +2375,7 @@
           <a:p>
             <a:fld id="{5E75A0DC-66C6-4CEC-A5EB-F8C97CEC3796}" type="datetimeFigureOut">
               <a:rPr lang="es-MX" smtClean="0"/>
-              <a:t>08/08/2022</a:t>
+              <a:t>10/02/2025</a:t>
             </a:fld>
             <a:endParaRPr lang="es-MX" dirty="0"/>
           </a:p>
@@ -2417,7 +2417,7 @@
           <a:p>
             <a:fld id="{C077EE1E-7A06-4E7F-9AFB-189FC69B7B0C}" type="slidenum">
               <a:rPr lang="es-MX" smtClean="0"/>
-              <a:t>‹Nº›</a:t>
+              <a:t>‹#›</a:t>
             </a:fld>
             <a:endParaRPr lang="es-MX" dirty="0"/>
           </a:p>
@@ -2528,7 +2528,7 @@
           <a:p>
             <a:fld id="{1D8BD707-D9CF-40AE-B4C6-C98DA3205C09}" type="datetimeFigureOut">
               <a:rPr lang="en-US" smtClean="0"/>
-              <a:t>8/8/2022</a:t>
+              <a:t>2/10/2025</a:t>
             </a:fld>
             <a:endParaRPr lang="en-US"/>
           </a:p>
@@ -2558,7 +2558,7 @@
                 <a:cs typeface="Calibri"/>
               </a:rPr>
               <a:pPr marL="25400"/>
-              <a:t>‹Nº›</a:t>
+              <a:t>‹#›</a:t>
             </a:fld>
             <a:endParaRPr lang="es-MX">
               <a:cs typeface="Calibri"/>
@@ -2688,7 +2688,7 @@
           <a:p>
             <a:fld id="{5E75A0DC-66C6-4CEC-A5EB-F8C97CEC3796}" type="datetimeFigureOut">
               <a:rPr lang="es-MX" smtClean="0"/>
-              <a:t>08/08/2022</a:t>
+              <a:t>10/02/2025</a:t>
             </a:fld>
             <a:endParaRPr lang="es-MX" dirty="0"/>
           </a:p>
@@ -2730,7 +2730,7 @@
           <a:p>
             <a:fld id="{C077EE1E-7A06-4E7F-9AFB-189FC69B7B0C}" type="slidenum">
               <a:rPr lang="es-MX" smtClean="0"/>
-              <a:t>‹Nº›</a:t>
+              <a:t>‹#›</a:t>
             </a:fld>
             <a:endParaRPr lang="es-MX" dirty="0"/>
           </a:p>
@@ -2934,7 +2934,7 @@
           <a:p>
             <a:fld id="{5E75A0DC-66C6-4CEC-A5EB-F8C97CEC3796}" type="datetimeFigureOut">
               <a:rPr lang="es-MX" smtClean="0"/>
-              <a:t>08/08/2022</a:t>
+              <a:t>10/02/2025</a:t>
             </a:fld>
             <a:endParaRPr lang="es-MX" dirty="0"/>
           </a:p>
@@ -2976,7 +2976,7 @@
           <a:p>
             <a:fld id="{C077EE1E-7A06-4E7F-9AFB-189FC69B7B0C}" type="slidenum">
               <a:rPr lang="es-MX" smtClean="0"/>
-              <a:t>‹Nº›</a:t>
+              <a:t>‹#›</a:t>
             </a:fld>
             <a:endParaRPr lang="es-MX" dirty="0"/>
           </a:p>
@@ -3222,7 +3222,7 @@
           <a:p>
             <a:fld id="{5E75A0DC-66C6-4CEC-A5EB-F8C97CEC3796}" type="datetimeFigureOut">
               <a:rPr lang="es-MX" smtClean="0"/>
-              <a:t>08/08/2022</a:t>
+              <a:t>10/02/2025</a:t>
             </a:fld>
             <a:endParaRPr lang="es-MX" dirty="0"/>
           </a:p>
@@ -3264,7 +3264,7 @@
           <a:p>
             <a:fld id="{C077EE1E-7A06-4E7F-9AFB-189FC69B7B0C}" type="slidenum">
               <a:rPr lang="es-MX" smtClean="0"/>
-              <a:t>‹Nº›</a:t>
+              <a:t>‹#›</a:t>
             </a:fld>
             <a:endParaRPr lang="es-MX" dirty="0"/>
           </a:p>
@@ -3644,7 +3644,7 @@
           <a:p>
             <a:fld id="{5E75A0DC-66C6-4CEC-A5EB-F8C97CEC3796}" type="datetimeFigureOut">
               <a:rPr lang="es-MX" smtClean="0"/>
-              <a:t>08/08/2022</a:t>
+              <a:t>10/02/2025</a:t>
             </a:fld>
             <a:endParaRPr lang="es-MX" dirty="0"/>
           </a:p>
@@ -3686,7 +3686,7 @@
           <a:p>
             <a:fld id="{C077EE1E-7A06-4E7F-9AFB-189FC69B7B0C}" type="slidenum">
               <a:rPr lang="es-MX" smtClean="0"/>
-              <a:t>‹Nº›</a:t>
+              <a:t>‹#›</a:t>
             </a:fld>
             <a:endParaRPr lang="es-MX" dirty="0"/>
           </a:p>
@@ -3762,7 +3762,7 @@
           <a:p>
             <a:fld id="{5E75A0DC-66C6-4CEC-A5EB-F8C97CEC3796}" type="datetimeFigureOut">
               <a:rPr lang="es-MX" smtClean="0"/>
-              <a:t>08/08/2022</a:t>
+              <a:t>10/02/2025</a:t>
             </a:fld>
             <a:endParaRPr lang="es-MX" dirty="0"/>
           </a:p>
@@ -3804,7 +3804,7 @@
           <a:p>
             <a:fld id="{C077EE1E-7A06-4E7F-9AFB-189FC69B7B0C}" type="slidenum">
               <a:rPr lang="es-MX" smtClean="0"/>
-              <a:t>‹Nº›</a:t>
+              <a:t>‹#›</a:t>
             </a:fld>
             <a:endParaRPr lang="es-MX" dirty="0"/>
           </a:p>
@@ -3857,7 +3857,7 @@
           <a:p>
             <a:fld id="{5E75A0DC-66C6-4CEC-A5EB-F8C97CEC3796}" type="datetimeFigureOut">
               <a:rPr lang="es-MX" smtClean="0"/>
-              <a:t>08/08/2022</a:t>
+              <a:t>10/02/2025</a:t>
             </a:fld>
             <a:endParaRPr lang="es-MX" dirty="0"/>
           </a:p>
@@ -3899,7 +3899,7 @@
           <a:p>
             <a:fld id="{C077EE1E-7A06-4E7F-9AFB-189FC69B7B0C}" type="slidenum">
               <a:rPr lang="es-MX" smtClean="0"/>
-              <a:t>‹Nº›</a:t>
+              <a:t>‹#›</a:t>
             </a:fld>
             <a:endParaRPr lang="es-MX" dirty="0"/>
           </a:p>
@@ -4134,7 +4134,7 @@
           <a:p>
             <a:fld id="{5E75A0DC-66C6-4CEC-A5EB-F8C97CEC3796}" type="datetimeFigureOut">
               <a:rPr lang="es-MX" smtClean="0"/>
-              <a:t>08/08/2022</a:t>
+              <a:t>10/02/2025</a:t>
             </a:fld>
             <a:endParaRPr lang="es-MX" dirty="0"/>
           </a:p>
@@ -4176,7 +4176,7 @@
           <a:p>
             <a:fld id="{C077EE1E-7A06-4E7F-9AFB-189FC69B7B0C}" type="slidenum">
               <a:rPr lang="es-MX" smtClean="0"/>
-              <a:t>‹Nº›</a:t>
+              <a:t>‹#›</a:t>
             </a:fld>
             <a:endParaRPr lang="es-MX" dirty="0"/>
           </a:p>
@@ -4387,7 +4387,7 @@
           <a:p>
             <a:fld id="{5E75A0DC-66C6-4CEC-A5EB-F8C97CEC3796}" type="datetimeFigureOut">
               <a:rPr lang="es-MX" smtClean="0"/>
-              <a:t>08/08/2022</a:t>
+              <a:t>10/02/2025</a:t>
             </a:fld>
             <a:endParaRPr lang="es-MX" dirty="0"/>
           </a:p>
@@ -4429,7 +4429,7 @@
           <a:p>
             <a:fld id="{C077EE1E-7A06-4E7F-9AFB-189FC69B7B0C}" type="slidenum">
               <a:rPr lang="es-MX" smtClean="0"/>
-              <a:t>‹Nº›</a:t>
+              <a:t>‹#›</a:t>
             </a:fld>
             <a:endParaRPr lang="es-MX" dirty="0"/>
           </a:p>
@@ -4600,7 +4600,7 @@
           <a:p>
             <a:fld id="{5E75A0DC-66C6-4CEC-A5EB-F8C97CEC3796}" type="datetimeFigureOut">
               <a:rPr lang="es-MX" smtClean="0"/>
-              <a:t>08/08/2022</a:t>
+              <a:t>10/02/2025</a:t>
             </a:fld>
             <a:endParaRPr lang="es-MX" dirty="0"/>
           </a:p>
@@ -4678,7 +4678,7 @@
           <a:p>
             <a:fld id="{C077EE1E-7A06-4E7F-9AFB-189FC69B7B0C}" type="slidenum">
               <a:rPr lang="es-MX" smtClean="0"/>
-              <a:t>‹Nº›</a:t>
+              <a:t>‹#›</a:t>
             </a:fld>
             <a:endParaRPr lang="es-MX" dirty="0"/>
           </a:p>
@@ -7153,21 +7153,11 @@
               <a:t>variable = </a:t>
             </a:r>
             <a:r>
-              <a:rPr lang="es-ES" sz="2400" b="1" dirty="0" err="1">
-                <a:solidFill>
-                  <a:srgbClr val="FF0000"/>
-                </a:solidFill>
-                <a:latin typeface="Arial" panose="020B0604020202020204" pitchFamily="34" charset="0"/>
-                <a:cs typeface="Arial" panose="020B0604020202020204" pitchFamily="34" charset="0"/>
-              </a:rPr>
-              <a:t>str</a:t>
-            </a:r>
-            <a:r>
               <a:rPr lang="es-ES" sz="2400" b="1" dirty="0">
                 <a:latin typeface="Arial" panose="020B0604020202020204" pitchFamily="34" charset="0"/>
                 <a:cs typeface="Arial" panose="020B0604020202020204" pitchFamily="34" charset="0"/>
               </a:rPr>
-              <a:t>(input</a:t>
+              <a:t>input</a:t>
             </a:r>
             <a:r>
               <a:rPr lang="es-ES" sz="2400" dirty="0">
@@ -7188,7 +7178,7 @@
                 <a:latin typeface="Arial" panose="020B0604020202020204" pitchFamily="34" charset="0"/>
                 <a:cs typeface="Arial" panose="020B0604020202020204" pitchFamily="34" charset="0"/>
               </a:rPr>
-              <a:t>: "))</a:t>
+              <a:t>: ")</a:t>
             </a:r>
           </a:p>
           <a:p>
@@ -7205,29 +7195,30 @@
               <a:t>variable = </a:t>
             </a:r>
             <a:r>
-              <a:rPr lang="es-ES" sz="2400" b="1" dirty="0" err="1">
-                <a:solidFill>
-                  <a:srgbClr val="FF0000"/>
-                </a:solidFill>
-                <a:latin typeface="Arial" panose="020B0604020202020204" pitchFamily="34" charset="0"/>
-                <a:cs typeface="Arial" panose="020B0604020202020204" pitchFamily="34" charset="0"/>
-              </a:rPr>
-              <a:t>str</a:t>
-            </a:r>
-            <a:r>
               <a:rPr lang="es-ES" sz="2400" b="1" dirty="0">
                 <a:latin typeface="Arial" panose="020B0604020202020204" pitchFamily="34" charset="0"/>
                 <a:cs typeface="Arial" panose="020B0604020202020204" pitchFamily="34" charset="0"/>
               </a:rPr>
-              <a:t>(input</a:t>
+              <a:t>input</a:t>
             </a:r>
             <a:r>
               <a:rPr lang="es-ES" sz="2400" dirty="0">
                 <a:latin typeface="Arial" panose="020B0604020202020204" pitchFamily="34" charset="0"/>
                 <a:cs typeface="Arial" panose="020B0604020202020204" pitchFamily="34" charset="0"/>
               </a:rPr>
-              <a:t>("Introduce una cadena de caracteres: "))</a:t>
-            </a:r>
+              <a:t>("Introduce una cadena de caracteres</a:t>
+            </a:r>
+            <a:r>
+              <a:rPr lang="es-ES" sz="2400">
+                <a:latin typeface="Arial" panose="020B0604020202020204" pitchFamily="34" charset="0"/>
+                <a:cs typeface="Arial" panose="020B0604020202020204" pitchFamily="34" charset="0"/>
+              </a:rPr>
+              <a:t>: ")</a:t>
+            </a:r>
+            <a:endParaRPr lang="es-ES" sz="2400" dirty="0">
+              <a:latin typeface="Arial" panose="020B0604020202020204" pitchFamily="34" charset="0"/>
+              <a:cs typeface="Arial" panose="020B0604020202020204" pitchFamily="34" charset="0"/>
+            </a:endParaRPr>
           </a:p>
         </p:txBody>
       </p:sp>
